--- a/Documentation/PPT/KDM_PPT_final.pptx
+++ b/Documentation/PPT/KDM_PPT_final.pptx
@@ -17083,48 +17083,367 @@
       </p:grpSpPr>
       <p:sp>
         <p:nvSpPr>
-          <p:cNvPr id="2" name="Title 1"/>
+          <p:cNvPr id="8" name="Rectangle 7"/>
           <p:cNvSpPr>
-            <a:spLocks noGrp="1"/>
+            <a:spLocks noGrp="1" noRot="1" noChangeAspect="1" noMove="1" noResize="1" noEditPoints="1" noAdjustHandles="1" noChangeArrowheads="1" noChangeShapeType="1" noTextEdit="1"/>
           </p:cNvSpPr>
           <p:nvPr>
-            <p:ph type="title"/>
+            <p:extLst>
+              <p:ext uri="{386F3935-93C4-4BCD-93E2-E3B085C9AB24}">
+                <p16:designElem xmlns:p16="http://schemas.microsoft.com/office/powerpoint/2015/main" val="1"/>
+              </p:ext>
+            </p:extLst>
+          </p:nvPr>
+        </p:nvSpPr>
+        <p:spPr bwMode="white">
+          <a:xfrm>
+            <a:off x="0" y="0"/>
+            <a:ext cx="12192000" cy="6858000"/>
+          </a:xfrm>
+          <a:prstGeom prst="rect">
+            <a:avLst/>
+          </a:prstGeom>
+          <a:solidFill>
+            <a:schemeClr val="bg1"/>
+          </a:solidFill>
+          <a:ln>
+            <a:noFill/>
+          </a:ln>
+          <a:effectLst/>
+        </p:spPr>
+      </p:sp>
+      <p:sp>
+        <p:nvSpPr>
+          <p:cNvPr id="10" name="Rectangle 9"/>
+          <p:cNvSpPr>
+            <a:spLocks noGrp="1" noRot="1" noChangeAspect="1" noMove="1" noResize="1" noEditPoints="1" noAdjustHandles="1" noChangeArrowheads="1" noChangeShapeType="1" noTextEdit="1"/>
+          </p:cNvSpPr>
+          <p:nvPr>
+            <p:extLst>
+              <p:ext uri="{386F3935-93C4-4BCD-93E2-E3B085C9AB24}">
+                <p16:designElem xmlns:p16="http://schemas.microsoft.com/office/powerpoint/2015/main" val="1"/>
+              </p:ext>
+            </p:extLst>
           </p:nvPr>
         </p:nvSpPr>
         <p:spPr>
           <a:xfrm>
-            <a:off x="75415" y="365126"/>
-            <a:ext cx="12116586" cy="1066110"/>
+            <a:off x="1" y="6400800"/>
+            <a:ext cx="12192000" cy="457200"/>
           </a:xfrm>
+          <a:prstGeom prst="rect">
+            <a:avLst/>
+          </a:prstGeom>
           <a:solidFill>
-            <a:srgbClr val="0070C0"/>
+            <a:schemeClr val="accent2"/>
           </a:solidFill>
+          <a:ln>
+            <a:noFill/>
+          </a:ln>
         </p:spPr>
+        <p:style>
+          <a:lnRef idx="2">
+            <a:schemeClr val="accent1">
+              <a:shade val="50000"/>
+            </a:schemeClr>
+          </a:lnRef>
+          <a:fillRef idx="1">
+            <a:schemeClr val="accent1"/>
+          </a:fillRef>
+          <a:effectRef idx="0">
+            <a:schemeClr val="accent1"/>
+          </a:effectRef>
+          <a:fontRef idx="minor">
+            <a:schemeClr val="lt1"/>
+          </a:fontRef>
+        </p:style>
+      </p:sp>
+      <p:sp>
+        <p:nvSpPr>
+          <p:cNvPr id="12" name="Rectangle 11"/>
+          <p:cNvSpPr>
+            <a:spLocks noGrp="1" noRot="1" noChangeAspect="1" noMove="1" noResize="1" noEditPoints="1" noAdjustHandles="1" noChangeArrowheads="1" noChangeShapeType="1" noTextEdit="1"/>
+          </p:cNvSpPr>
+          <p:nvPr>
+            <p:extLst>
+              <p:ext uri="{386F3935-93C4-4BCD-93E2-E3B085C9AB24}">
+                <p16:designElem xmlns:p16="http://schemas.microsoft.com/office/powerpoint/2015/main" val="1"/>
+              </p:ext>
+            </p:extLst>
+          </p:nvPr>
+        </p:nvSpPr>
+        <p:spPr>
+          <a:xfrm>
+            <a:off x="1" y="6334316"/>
+            <a:ext cx="12192000" cy="66484"/>
+          </a:xfrm>
+          <a:prstGeom prst="rect">
+            <a:avLst/>
+          </a:prstGeom>
+          <a:solidFill>
+            <a:schemeClr val="accent1"/>
+          </a:solidFill>
+          <a:ln>
+            <a:noFill/>
+          </a:ln>
+        </p:spPr>
+        <p:style>
+          <a:lnRef idx="2">
+            <a:schemeClr val="accent1">
+              <a:shade val="50000"/>
+            </a:schemeClr>
+          </a:lnRef>
+          <a:fillRef idx="1">
+            <a:schemeClr val="accent1"/>
+          </a:fillRef>
+          <a:effectRef idx="0">
+            <a:schemeClr val="accent1"/>
+          </a:effectRef>
+          <a:fontRef idx="minor">
+            <a:schemeClr val="lt1"/>
+          </a:fontRef>
+        </p:style>
+      </p:sp>
+      <p:cxnSp>
+        <p:nvCxnSpPr>
+          <p:cNvPr id="14" name="Straight Connector 13"/>
+          <p:cNvCxnSpPr>
+            <a:cxnSpLocks noGrp="1" noRot="1" noChangeAspect="1" noMove="1" noResize="1" noEditPoints="1" noAdjustHandles="1" noChangeArrowheads="1" noChangeShapeType="1"/>
+          </p:cNvCxnSpPr>
+          <p:nvPr>
+            <p:extLst>
+              <p:ext uri="{386F3935-93C4-4BCD-93E2-E3B085C9AB24}">
+                <p16:designElem xmlns:p16="http://schemas.microsoft.com/office/powerpoint/2015/main" val="1"/>
+              </p:ext>
+            </p:extLst>
+          </p:nvPr>
+        </p:nvCxnSpPr>
+        <p:spPr>
+          <a:xfrm>
+            <a:off x="1207658" y="4343400"/>
+            <a:ext cx="9875520" cy="0"/>
+          </a:xfrm>
+          <a:prstGeom prst="line">
+            <a:avLst/>
+          </a:prstGeom>
+          <a:ln w="6350">
+            <a:solidFill>
+              <a:schemeClr val="tx1">
+                <a:lumMod val="50000"/>
+                <a:lumOff val="50000"/>
+              </a:schemeClr>
+            </a:solidFill>
+          </a:ln>
+        </p:spPr>
+        <p:style>
+          <a:lnRef idx="1">
+            <a:schemeClr val="accent1"/>
+          </a:lnRef>
+          <a:fillRef idx="0">
+            <a:schemeClr val="accent1"/>
+          </a:fillRef>
+          <a:effectRef idx="0">
+            <a:schemeClr val="accent1"/>
+          </a:effectRef>
+          <a:fontRef idx="minor">
+            <a:schemeClr val="tx1"/>
+          </a:fontRef>
+        </p:style>
+      </p:cxnSp>
+      <p:sp useBgFill="1">
+        <p:nvSpPr>
+          <p:cNvPr id="16" name="Rectangle 15"/>
+          <p:cNvSpPr>
+            <a:spLocks noGrp="1" noRot="1" noChangeAspect="1" noMove="1" noResize="1" noEditPoints="1" noAdjustHandles="1" noChangeArrowheads="1" noChangeShapeType="1" noTextEdit="1"/>
+          </p:cNvSpPr>
+          <p:nvPr>
+            <p:extLst>
+              <p:ext uri="{386F3935-93C4-4BCD-93E2-E3B085C9AB24}">
+                <p16:designElem xmlns:p16="http://schemas.microsoft.com/office/powerpoint/2015/main" val="1"/>
+              </p:ext>
+            </p:extLst>
+          </p:nvPr>
+        </p:nvSpPr>
+        <p:spPr>
+          <a:xfrm>
+            <a:off x="0" y="0"/>
+            <a:ext cx="12192001" cy="6334316"/>
+          </a:xfrm>
+          <a:prstGeom prst="rect">
+            <a:avLst/>
+          </a:prstGeom>
+          <a:ln>
+            <a:noFill/>
+          </a:ln>
+        </p:spPr>
+        <p:style>
+          <a:lnRef idx="2">
+            <a:schemeClr val="accent1">
+              <a:shade val="50000"/>
+            </a:schemeClr>
+          </a:lnRef>
+          <a:fillRef idx="1">
+            <a:schemeClr val="accent1"/>
+          </a:fillRef>
+          <a:effectRef idx="0">
+            <a:schemeClr val="accent1"/>
+          </a:effectRef>
+          <a:fontRef idx="minor">
+            <a:schemeClr val="lt1"/>
+          </a:fontRef>
+        </p:style>
         <p:txBody>
-          <a:bodyPr>
-            <a:normAutofit/>
-          </a:bodyPr>
+          <a:bodyPr rtlCol="0" anchor="ctr"/>
           <a:lstStyle/>
           <a:p>
             <a:pPr algn="ctr"/>
-            <a:r>
-              <a:rPr lang="EN-US" sz="4000" b="1" dirty="0">
-                <a:solidFill>
-                  <a:schemeClr val="bg1"/>
-                </a:solidFill>
-                <a:latin typeface="+mn-lt"/>
-              </a:rPr>
-              <a:t>ARCHITECTURE DIAGRAM</a:t>
-            </a:r>
+            <a:endParaRPr lang="en-US"/>
           </a:p>
         </p:txBody>
       </p:sp>
+      <p:sp>
+        <p:nvSpPr>
+          <p:cNvPr id="18" name="Rectangle 17"/>
+          <p:cNvSpPr>
+            <a:spLocks noGrp="1" noRot="1" noChangeAspect="1" noMove="1" noResize="1" noEditPoints="1" noAdjustHandles="1" noChangeArrowheads="1" noChangeShapeType="1" noTextEdit="1"/>
+          </p:cNvSpPr>
+          <p:nvPr>
+            <p:extLst>
+              <p:ext uri="{386F3935-93C4-4BCD-93E2-E3B085C9AB24}">
+                <p16:designElem xmlns:p16="http://schemas.microsoft.com/office/powerpoint/2015/main" val="1"/>
+              </p:ext>
+            </p:extLst>
+          </p:nvPr>
+        </p:nvSpPr>
+        <p:spPr>
+          <a:xfrm>
+            <a:off x="1" y="6400800"/>
+            <a:ext cx="12192000" cy="457200"/>
+          </a:xfrm>
+          <a:prstGeom prst="rect">
+            <a:avLst/>
+          </a:prstGeom>
+          <a:solidFill>
+            <a:schemeClr val="accent2"/>
+          </a:solidFill>
+          <a:ln>
+            <a:noFill/>
+          </a:ln>
+        </p:spPr>
+        <p:style>
+          <a:lnRef idx="2">
+            <a:schemeClr val="accent1">
+              <a:shade val="50000"/>
+            </a:schemeClr>
+          </a:lnRef>
+          <a:fillRef idx="1">
+            <a:schemeClr val="accent1"/>
+          </a:fillRef>
+          <a:effectRef idx="0">
+            <a:schemeClr val="accent1"/>
+          </a:effectRef>
+          <a:fontRef idx="minor">
+            <a:schemeClr val="lt1"/>
+          </a:fontRef>
+        </p:style>
+      </p:sp>
+      <p:sp>
+        <p:nvSpPr>
+          <p:cNvPr id="29" name="Rectangle 19"/>
+          <p:cNvSpPr>
+            <a:spLocks noGrp="1" noRot="1" noChangeAspect="1" noMove="1" noResize="1" noEditPoints="1" noAdjustHandles="1" noChangeArrowheads="1" noChangeShapeType="1" noTextEdit="1"/>
+          </p:cNvSpPr>
+          <p:nvPr>
+            <p:extLst>
+              <p:ext uri="{386F3935-93C4-4BCD-93E2-E3B085C9AB24}">
+                <p16:designElem xmlns:p16="http://schemas.microsoft.com/office/powerpoint/2015/main" val="1"/>
+              </p:ext>
+            </p:extLst>
+          </p:nvPr>
+        </p:nvSpPr>
+        <p:spPr>
+          <a:xfrm>
+            <a:off x="15" y="6334316"/>
+            <a:ext cx="12191985" cy="66484"/>
+          </a:xfrm>
+          <a:prstGeom prst="rect">
+            <a:avLst/>
+          </a:prstGeom>
+          <a:solidFill>
+            <a:schemeClr val="accent1"/>
+          </a:solidFill>
+          <a:ln>
+            <a:noFill/>
+          </a:ln>
+        </p:spPr>
+        <p:style>
+          <a:lnRef idx="2">
+            <a:schemeClr val="accent1">
+              <a:shade val="50000"/>
+            </a:schemeClr>
+          </a:lnRef>
+          <a:fillRef idx="1">
+            <a:schemeClr val="accent1"/>
+          </a:fillRef>
+          <a:effectRef idx="0">
+            <a:schemeClr val="accent1"/>
+          </a:effectRef>
+          <a:fontRef idx="minor">
+            <a:schemeClr val="lt1"/>
+          </a:fontRef>
+        </p:style>
+      </p:sp>
+      <p:cxnSp>
+        <p:nvCxnSpPr>
+          <p:cNvPr id="30" name="Straight Connector 21"/>
+          <p:cNvCxnSpPr>
+            <a:cxnSpLocks noGrp="1" noRot="1" noChangeAspect="1" noMove="1" noResize="1" noEditPoints="1" noAdjustHandles="1" noChangeArrowheads="1" noChangeShapeType="1"/>
+          </p:cNvCxnSpPr>
+          <p:nvPr>
+            <p:extLst>
+              <p:ext uri="{386F3935-93C4-4BCD-93E2-E3B085C9AB24}">
+                <p16:designElem xmlns:p16="http://schemas.microsoft.com/office/powerpoint/2015/main" val="1"/>
+              </p:ext>
+            </p:extLst>
+          </p:nvPr>
+        </p:nvCxnSpPr>
+        <p:spPr>
+          <a:xfrm>
+            <a:off x="721086" y="5618770"/>
+            <a:ext cx="10515600" cy="0"/>
+          </a:xfrm>
+          <a:prstGeom prst="line">
+            <a:avLst/>
+          </a:prstGeom>
+          <a:ln w="6350">
+            <a:solidFill>
+              <a:schemeClr val="tx2">
+                <a:alpha val="90000"/>
+              </a:schemeClr>
+            </a:solidFill>
+          </a:ln>
+        </p:spPr>
+        <p:style>
+          <a:lnRef idx="1">
+            <a:schemeClr val="accent1"/>
+          </a:lnRef>
+          <a:fillRef idx="0">
+            <a:schemeClr val="accent1"/>
+          </a:fillRef>
+          <a:effectRef idx="0">
+            <a:schemeClr val="accent1"/>
+          </a:effectRef>
+          <a:fontRef idx="minor">
+            <a:schemeClr val="tx1"/>
+          </a:fontRef>
+        </p:style>
+      </p:cxnSp>
       <p:pic>
         <p:nvPicPr>
-          <p:cNvPr id="4" name="Picture 3">
+          <p:cNvPr id="3" name="Picture 2" descr="A screenshot of a cell phone&#10;&#10;Description generated with very high confidence">
             <a:extLst>
               <a:ext uri="{FF2B5EF4-FFF2-40B4-BE49-F238E27FC236}">
-                <a16:creationId xmlns:a16="http://schemas.microsoft.com/office/drawing/2014/main" id="{B969A267-B9F2-49E5-87B4-7BD4AD0B6733}"/>
+                <a16:creationId xmlns:a16="http://schemas.microsoft.com/office/drawing/2014/main" id="{5C259781-7818-4829-95CF-E3C52E96C7ED}"/>
               </a:ext>
             </a:extLst>
           </p:cNvPr>
@@ -17141,14 +17460,50 @@
         </p:blipFill>
         <p:spPr>
           <a:xfrm>
-            <a:off x="245096" y="1746608"/>
-            <a:ext cx="11858919" cy="5040692"/>
+            <a:off x="635456" y="640080"/>
+            <a:ext cx="10447721" cy="3602736"/>
           </a:xfrm>
           <a:prstGeom prst="rect">
             <a:avLst/>
           </a:prstGeom>
         </p:spPr>
       </p:pic>
+      <p:sp>
+        <p:nvSpPr>
+          <p:cNvPr id="2" name="Title 1"/>
+          <p:cNvSpPr>
+            <a:spLocks noGrp="1"/>
+          </p:cNvSpPr>
+          <p:nvPr>
+            <p:ph type="title"/>
+          </p:nvPr>
+        </p:nvSpPr>
+        <p:spPr>
+          <a:xfrm>
+            <a:off x="633999" y="4550229"/>
+            <a:ext cx="10909073" cy="1057655"/>
+          </a:xfrm>
+        </p:spPr>
+        <p:txBody>
+          <a:bodyPr vert="horz" lIns="91440" tIns="45720" rIns="91440" bIns="45720" rtlCol="0" anchor="b">
+            <a:normAutofit/>
+          </a:bodyPr>
+          <a:lstStyle/>
+          <a:p>
+            <a:r>
+              <a:rPr lang="en-US" sz="6000" b="1">
+                <a:solidFill>
+                  <a:schemeClr val="tx1">
+                    <a:lumMod val="85000"/>
+                    <a:lumOff val="15000"/>
+                  </a:schemeClr>
+                </a:solidFill>
+              </a:rPr>
+              <a:t>ARCHITECTURE DIAGRAM</a:t>
+            </a:r>
+          </a:p>
+        </p:txBody>
+      </p:sp>
     </p:spTree>
     <p:extLst>
       <p:ext uri="{BB962C8B-B14F-4D97-AF65-F5344CB8AC3E}">

--- a/Documentation/PPT/KDM_PPT_final.pptx
+++ b/Documentation/PPT/KDM_PPT_final.pptx
@@ -15094,7 +15094,7 @@
         </p:blipFill>
         <p:spPr>
           <a:xfrm>
-            <a:off x="7500731" y="4159410"/>
+            <a:off x="7778144" y="4172662"/>
             <a:ext cx="3733800" cy="2114550"/>
           </a:xfrm>
           <a:prstGeom prst="rect">

--- a/Documentation/PPT/KDM_PPT_final.pptx
+++ b/Documentation/PPT/KDM_PPT_final.pptx
@@ -10748,7 +10748,7 @@
           <a:p>
             <a:fld id="{C85AC829-0E50-49AC-A5E0-48128634E715}" type="datetimeFigureOut">
               <a:rPr lang="en-US"/>
-              <a:t>7/25/2017</a:t>
+              <a:t>7/26/2017</a:t>
             </a:fld>
             <a:endParaRPr lang="en-US"/>
           </a:p>
@@ -11493,7 +11493,7 @@
           <a:p>
             <a:fld id="{16A3FBB7-652B-46B4-97C1-507551DB4301}" type="datetimeFigureOut">
               <a:rPr lang="en-US" smtClean="0"/>
-              <a:t>7/25/2017</a:t>
+              <a:t>7/26/2017</a:t>
             </a:fld>
             <a:endParaRPr lang="en-US"/>
           </a:p>
@@ -11701,7 +11701,7 @@
           <a:p>
             <a:fld id="{16A3FBB7-652B-46B4-97C1-507551DB4301}" type="datetimeFigureOut">
               <a:rPr lang="en-US" smtClean="0"/>
-              <a:t>7/25/2017</a:t>
+              <a:t>7/26/2017</a:t>
             </a:fld>
             <a:endParaRPr lang="en-US"/>
           </a:p>
@@ -11957,7 +11957,7 @@
           <a:p>
             <a:fld id="{16A3FBB7-652B-46B4-97C1-507551DB4301}" type="datetimeFigureOut">
               <a:rPr lang="en-US" smtClean="0"/>
-              <a:t>7/25/2017</a:t>
+              <a:t>7/26/2017</a:t>
             </a:fld>
             <a:endParaRPr lang="en-US"/>
           </a:p>
@@ -12127,7 +12127,7 @@
           <a:p>
             <a:fld id="{16A3FBB7-652B-46B4-97C1-507551DB4301}" type="datetimeFigureOut">
               <a:rPr lang="en-US" smtClean="0"/>
-              <a:t>7/25/2017</a:t>
+              <a:t>7/26/2017</a:t>
             </a:fld>
             <a:endParaRPr lang="en-US"/>
           </a:p>
@@ -12470,7 +12470,7 @@
           <a:p>
             <a:fld id="{16A3FBB7-652B-46B4-97C1-507551DB4301}" type="datetimeFigureOut">
               <a:rPr lang="en-US" smtClean="0"/>
-              <a:t>7/25/2017</a:t>
+              <a:t>7/26/2017</a:t>
             </a:fld>
             <a:endParaRPr lang="en-US"/>
           </a:p>
@@ -12745,7 +12745,7 @@
           <a:p>
             <a:fld id="{16A3FBB7-652B-46B4-97C1-507551DB4301}" type="datetimeFigureOut">
               <a:rPr lang="en-US" smtClean="0"/>
-              <a:t>7/25/2017</a:t>
+              <a:t>7/26/2017</a:t>
             </a:fld>
             <a:endParaRPr lang="en-US"/>
           </a:p>
@@ -13124,7 +13124,7 @@
           <a:p>
             <a:fld id="{16A3FBB7-652B-46B4-97C1-507551DB4301}" type="datetimeFigureOut">
               <a:rPr lang="en-US" smtClean="0"/>
-              <a:t>7/25/2017</a:t>
+              <a:t>7/26/2017</a:t>
             </a:fld>
             <a:endParaRPr lang="en-US"/>
           </a:p>
@@ -13242,7 +13242,7 @@
           <a:p>
             <a:fld id="{16A3FBB7-652B-46B4-97C1-507551DB4301}" type="datetimeFigureOut">
               <a:rPr lang="en-US" smtClean="0"/>
-              <a:t>7/25/2017</a:t>
+              <a:t>7/26/2017</a:t>
             </a:fld>
             <a:endParaRPr lang="en-US"/>
           </a:p>
@@ -13413,7 +13413,7 @@
           <a:p>
             <a:fld id="{16A3FBB7-652B-46B4-97C1-507551DB4301}" type="datetimeFigureOut">
               <a:rPr lang="en-US" smtClean="0"/>
-              <a:t>7/25/2017</a:t>
+              <a:t>7/26/2017</a:t>
             </a:fld>
             <a:endParaRPr lang="en-US"/>
           </a:p>
@@ -13767,7 +13767,7 @@
           <a:p>
             <a:fld id="{16A3FBB7-652B-46B4-97C1-507551DB4301}" type="datetimeFigureOut">
               <a:rPr lang="en-US" smtClean="0"/>
-              <a:t>7/25/2017</a:t>
+              <a:t>7/26/2017</a:t>
             </a:fld>
             <a:endParaRPr lang="en-US"/>
           </a:p>
@@ -14144,7 +14144,7 @@
           <a:p>
             <a:fld id="{16A3FBB7-652B-46B4-97C1-507551DB4301}" type="datetimeFigureOut">
               <a:rPr lang="en-US" smtClean="0"/>
-              <a:t>7/25/2017</a:t>
+              <a:t>7/26/2017</a:t>
             </a:fld>
             <a:endParaRPr lang="en-US"/>
           </a:p>
@@ -14431,7 +14431,7 @@
           <a:p>
             <a:fld id="{16A3FBB7-652B-46B4-97C1-507551DB4301}" type="datetimeFigureOut">
               <a:rPr lang="en-US" smtClean="0"/>
-              <a:t>7/25/2017</a:t>
+              <a:t>7/26/2017</a:t>
             </a:fld>
             <a:endParaRPr lang="en-US"/>
           </a:p>
@@ -17626,6 +17626,435 @@
       </p:grpSpPr>
       <p:sp>
         <p:nvSpPr>
+          <p:cNvPr id="25" name="Rectangle 24"/>
+          <p:cNvSpPr>
+            <a:spLocks noGrp="1" noRot="1" noChangeAspect="1" noMove="1" noResize="1" noEditPoints="1" noAdjustHandles="1" noChangeArrowheads="1" noChangeShapeType="1" noTextEdit="1"/>
+          </p:cNvSpPr>
+          <p:nvPr>
+            <p:extLst>
+              <p:ext uri="{386F3935-93C4-4BCD-93E2-E3B085C9AB24}">
+                <p16:designElem xmlns:p16="http://schemas.microsoft.com/office/powerpoint/2015/main" val="1"/>
+              </p:ext>
+            </p:extLst>
+          </p:nvPr>
+        </p:nvSpPr>
+        <p:spPr bwMode="white">
+          <a:xfrm>
+            <a:off x="0" y="0"/>
+            <a:ext cx="12192000" cy="6858000"/>
+          </a:xfrm>
+          <a:prstGeom prst="rect">
+            <a:avLst/>
+          </a:prstGeom>
+          <a:solidFill>
+            <a:schemeClr val="bg1"/>
+          </a:solidFill>
+          <a:ln>
+            <a:noFill/>
+          </a:ln>
+          <a:effectLst/>
+        </p:spPr>
+      </p:sp>
+      <p:sp>
+        <p:nvSpPr>
+          <p:cNvPr id="27" name="Rectangle 26"/>
+          <p:cNvSpPr>
+            <a:spLocks noGrp="1" noRot="1" noChangeAspect="1" noMove="1" noResize="1" noEditPoints="1" noAdjustHandles="1" noChangeArrowheads="1" noChangeShapeType="1" noTextEdit="1"/>
+          </p:cNvSpPr>
+          <p:nvPr>
+            <p:extLst>
+              <p:ext uri="{386F3935-93C4-4BCD-93E2-E3B085C9AB24}">
+                <p16:designElem xmlns:p16="http://schemas.microsoft.com/office/powerpoint/2015/main" val="1"/>
+              </p:ext>
+            </p:extLst>
+          </p:nvPr>
+        </p:nvSpPr>
+        <p:spPr>
+          <a:xfrm>
+            <a:off x="1" y="6400800"/>
+            <a:ext cx="12192000" cy="457200"/>
+          </a:xfrm>
+          <a:prstGeom prst="rect">
+            <a:avLst/>
+          </a:prstGeom>
+          <a:solidFill>
+            <a:schemeClr val="accent2"/>
+          </a:solidFill>
+          <a:ln>
+            <a:noFill/>
+          </a:ln>
+        </p:spPr>
+        <p:style>
+          <a:lnRef idx="2">
+            <a:schemeClr val="accent1">
+              <a:shade val="50000"/>
+            </a:schemeClr>
+          </a:lnRef>
+          <a:fillRef idx="1">
+            <a:schemeClr val="accent1"/>
+          </a:fillRef>
+          <a:effectRef idx="0">
+            <a:schemeClr val="accent1"/>
+          </a:effectRef>
+          <a:fontRef idx="minor">
+            <a:schemeClr val="lt1"/>
+          </a:fontRef>
+        </p:style>
+      </p:sp>
+      <p:sp>
+        <p:nvSpPr>
+          <p:cNvPr id="29" name="Rectangle 28"/>
+          <p:cNvSpPr>
+            <a:spLocks noGrp="1" noRot="1" noChangeAspect="1" noMove="1" noResize="1" noEditPoints="1" noAdjustHandles="1" noChangeArrowheads="1" noChangeShapeType="1" noTextEdit="1"/>
+          </p:cNvSpPr>
+          <p:nvPr>
+            <p:extLst>
+              <p:ext uri="{386F3935-93C4-4BCD-93E2-E3B085C9AB24}">
+                <p16:designElem xmlns:p16="http://schemas.microsoft.com/office/powerpoint/2015/main" val="1"/>
+              </p:ext>
+            </p:extLst>
+          </p:nvPr>
+        </p:nvSpPr>
+        <p:spPr>
+          <a:xfrm>
+            <a:off x="1" y="6334316"/>
+            <a:ext cx="12192000" cy="66484"/>
+          </a:xfrm>
+          <a:prstGeom prst="rect">
+            <a:avLst/>
+          </a:prstGeom>
+          <a:solidFill>
+            <a:schemeClr val="accent1"/>
+          </a:solidFill>
+          <a:ln>
+            <a:noFill/>
+          </a:ln>
+        </p:spPr>
+        <p:style>
+          <a:lnRef idx="2">
+            <a:schemeClr val="accent1">
+              <a:shade val="50000"/>
+            </a:schemeClr>
+          </a:lnRef>
+          <a:fillRef idx="1">
+            <a:schemeClr val="accent1"/>
+          </a:fillRef>
+          <a:effectRef idx="0">
+            <a:schemeClr val="accent1"/>
+          </a:effectRef>
+          <a:fontRef idx="minor">
+            <a:schemeClr val="lt1"/>
+          </a:fontRef>
+        </p:style>
+      </p:sp>
+      <p:cxnSp>
+        <p:nvCxnSpPr>
+          <p:cNvPr id="31" name="Straight Connector 30"/>
+          <p:cNvCxnSpPr>
+            <a:cxnSpLocks noGrp="1" noRot="1" noChangeAspect="1" noMove="1" noResize="1" noEditPoints="1" noAdjustHandles="1" noChangeArrowheads="1" noChangeShapeType="1"/>
+          </p:cNvCxnSpPr>
+          <p:nvPr>
+            <p:extLst>
+              <p:ext uri="{386F3935-93C4-4BCD-93E2-E3B085C9AB24}">
+                <p16:designElem xmlns:p16="http://schemas.microsoft.com/office/powerpoint/2015/main" val="1"/>
+              </p:ext>
+            </p:extLst>
+          </p:nvPr>
+        </p:nvCxnSpPr>
+        <p:spPr>
+          <a:xfrm>
+            <a:off x="1207658" y="4343400"/>
+            <a:ext cx="9875520" cy="0"/>
+          </a:xfrm>
+          <a:prstGeom prst="line">
+            <a:avLst/>
+          </a:prstGeom>
+          <a:ln w="6350">
+            <a:solidFill>
+              <a:schemeClr val="tx1">
+                <a:lumMod val="50000"/>
+                <a:lumOff val="50000"/>
+              </a:schemeClr>
+            </a:solidFill>
+          </a:ln>
+        </p:spPr>
+        <p:style>
+          <a:lnRef idx="1">
+            <a:schemeClr val="accent1"/>
+          </a:lnRef>
+          <a:fillRef idx="0">
+            <a:schemeClr val="accent1"/>
+          </a:fillRef>
+          <a:effectRef idx="0">
+            <a:schemeClr val="accent1"/>
+          </a:effectRef>
+          <a:fontRef idx="minor">
+            <a:schemeClr val="tx1"/>
+          </a:fontRef>
+        </p:style>
+      </p:cxnSp>
+      <p:sp useBgFill="1">
+        <p:nvSpPr>
+          <p:cNvPr id="33" name="Rectangle 32"/>
+          <p:cNvSpPr>
+            <a:spLocks noGrp="1" noRot="1" noChangeAspect="1" noMove="1" noResize="1" noEditPoints="1" noAdjustHandles="1" noChangeArrowheads="1" noChangeShapeType="1" noTextEdit="1"/>
+          </p:cNvSpPr>
+          <p:nvPr>
+            <p:extLst>
+              <p:ext uri="{386F3935-93C4-4BCD-93E2-E3B085C9AB24}">
+                <p16:designElem xmlns:p16="http://schemas.microsoft.com/office/powerpoint/2015/main" val="1"/>
+              </p:ext>
+            </p:extLst>
+          </p:nvPr>
+        </p:nvSpPr>
+        <p:spPr>
+          <a:xfrm>
+            <a:off x="0" y="0"/>
+            <a:ext cx="12190459" cy="6858000"/>
+          </a:xfrm>
+          <a:prstGeom prst="rect">
+            <a:avLst/>
+          </a:prstGeom>
+          <a:ln>
+            <a:noFill/>
+          </a:ln>
+        </p:spPr>
+        <p:style>
+          <a:lnRef idx="2">
+            <a:schemeClr val="accent1">
+              <a:shade val="50000"/>
+            </a:schemeClr>
+          </a:lnRef>
+          <a:fillRef idx="1">
+            <a:schemeClr val="accent1"/>
+          </a:fillRef>
+          <a:effectRef idx="0">
+            <a:schemeClr val="accent1"/>
+          </a:effectRef>
+          <a:fontRef idx="minor">
+            <a:schemeClr val="lt1"/>
+          </a:fontRef>
+        </p:style>
+        <p:txBody>
+          <a:bodyPr rtlCol="0" anchor="ctr"/>
+          <a:lstStyle/>
+          <a:p>
+            <a:pPr algn="ctr"/>
+            <a:endParaRPr lang="en-US"/>
+          </a:p>
+        </p:txBody>
+      </p:sp>
+      <p:sp>
+        <p:nvSpPr>
+          <p:cNvPr id="35" name="Rectangle 34"/>
+          <p:cNvSpPr>
+            <a:spLocks noGrp="1" noRot="1" noChangeAspect="1" noMove="1" noResize="1" noEditPoints="1" noAdjustHandles="1" noChangeArrowheads="1" noChangeShapeType="1" noTextEdit="1"/>
+          </p:cNvSpPr>
+          <p:nvPr>
+            <p:extLst>
+              <p:ext uri="{386F3935-93C4-4BCD-93E2-E3B085C9AB24}">
+                <p16:designElem xmlns:p16="http://schemas.microsoft.com/office/powerpoint/2015/main" val="1"/>
+              </p:ext>
+            </p:extLst>
+          </p:nvPr>
+        </p:nvSpPr>
+        <p:spPr bwMode="white">
+          <a:xfrm>
+            <a:off x="1507" y="4953000"/>
+            <a:ext cx="12188952" cy="1905000"/>
+          </a:xfrm>
+          <a:prstGeom prst="rect">
+            <a:avLst/>
+          </a:prstGeom>
+          <a:solidFill>
+            <a:schemeClr val="accent2"/>
+          </a:solidFill>
+          <a:ln>
+            <a:noFill/>
+          </a:ln>
+        </p:spPr>
+        <p:style>
+          <a:lnRef idx="2">
+            <a:schemeClr val="accent1">
+              <a:shade val="50000"/>
+            </a:schemeClr>
+          </a:lnRef>
+          <a:fillRef idx="1">
+            <a:schemeClr val="accent1"/>
+          </a:fillRef>
+          <a:effectRef idx="0">
+            <a:schemeClr val="accent1"/>
+          </a:effectRef>
+          <a:fontRef idx="minor">
+            <a:schemeClr val="lt1"/>
+          </a:fontRef>
+        </p:style>
+      </p:sp>
+      <p:sp>
+        <p:nvSpPr>
+          <p:cNvPr id="37" name="Rectangle 36"/>
+          <p:cNvSpPr>
+            <a:spLocks noGrp="1" noRot="1" noChangeAspect="1" noMove="1" noResize="1" noEditPoints="1" noAdjustHandles="1" noChangeArrowheads="1" noChangeShapeType="1" noTextEdit="1"/>
+          </p:cNvSpPr>
+          <p:nvPr>
+            <p:extLst>
+              <p:ext uri="{386F3935-93C4-4BCD-93E2-E3B085C9AB24}">
+                <p16:designElem xmlns:p16="http://schemas.microsoft.com/office/powerpoint/2015/main" val="1"/>
+              </p:ext>
+            </p:extLst>
+          </p:nvPr>
+        </p:nvSpPr>
+        <p:spPr>
+          <a:xfrm>
+            <a:off x="1507" y="4906176"/>
+            <a:ext cx="12188952" cy="64008"/>
+          </a:xfrm>
+          <a:prstGeom prst="rect">
+            <a:avLst/>
+          </a:prstGeom>
+          <a:solidFill>
+            <a:schemeClr val="accent1"/>
+          </a:solidFill>
+          <a:ln>
+            <a:noFill/>
+          </a:ln>
+        </p:spPr>
+        <p:style>
+          <a:lnRef idx="2">
+            <a:schemeClr val="accent1">
+              <a:shade val="50000"/>
+            </a:schemeClr>
+          </a:lnRef>
+          <a:fillRef idx="1">
+            <a:schemeClr val="accent1"/>
+          </a:fillRef>
+          <a:effectRef idx="0">
+            <a:schemeClr val="accent1"/>
+          </a:effectRef>
+          <a:fontRef idx="minor">
+            <a:schemeClr val="lt1"/>
+          </a:fontRef>
+        </p:style>
+      </p:sp>
+      <p:pic>
+        <p:nvPicPr>
+          <p:cNvPr id="3" name="Picture 2" descr="A screenshot of a cell phone&#10;&#10;Description generated with high confidence">
+            <a:extLst>
+              <a:ext uri="{FF2B5EF4-FFF2-40B4-BE49-F238E27FC236}">
+                <a16:creationId xmlns:a16="http://schemas.microsoft.com/office/drawing/2014/main" id="{2BA29877-AF80-467A-8384-2C55D20851EA}"/>
+              </a:ext>
+            </a:extLst>
+          </p:cNvPr>
+          <p:cNvPicPr>
+            <a:picLocks noChangeAspect="1"/>
+          </p:cNvPicPr>
+          <p:nvPr/>
+        </p:nvPicPr>
+        <p:blipFill>
+          <a:blip r:embed="rId2"/>
+          <a:stretch>
+            <a:fillRect/>
+          </a:stretch>
+        </p:blipFill>
+        <p:spPr>
+          <a:xfrm>
+            <a:off x="635457" y="953269"/>
+            <a:ext cx="5131653" cy="2976357"/>
+          </a:xfrm>
+          <a:prstGeom prst="rect">
+            <a:avLst/>
+          </a:prstGeom>
+        </p:spPr>
+      </p:pic>
+      <p:sp>
+        <p:nvSpPr>
+          <p:cNvPr id="39" name="Rectangle 38"/>
+          <p:cNvSpPr>
+            <a:spLocks noGrp="1" noRot="1" noChangeAspect="1" noMove="1" noResize="1" noEditPoints="1" noAdjustHandles="1" noChangeArrowheads="1" noChangeShapeType="1" noTextEdit="1"/>
+          </p:cNvSpPr>
+          <p:nvPr>
+            <p:extLst>
+              <p:ext uri="{386F3935-93C4-4BCD-93E2-E3B085C9AB24}">
+                <p16:designElem xmlns:p16="http://schemas.microsoft.com/office/powerpoint/2015/main" val="1"/>
+              </p:ext>
+            </p:extLst>
+          </p:nvPr>
+        </p:nvSpPr>
+        <p:spPr>
+          <a:xfrm>
+            <a:off x="6063996" y="886968"/>
+            <a:ext cx="64008" cy="3108960"/>
+          </a:xfrm>
+          <a:prstGeom prst="rect">
+            <a:avLst/>
+          </a:prstGeom>
+          <a:ln>
+            <a:noFill/>
+          </a:ln>
+        </p:spPr>
+        <p:style>
+          <a:lnRef idx="2">
+            <a:schemeClr val="accent1">
+              <a:shade val="50000"/>
+            </a:schemeClr>
+          </a:lnRef>
+          <a:fillRef idx="1">
+            <a:schemeClr val="accent1"/>
+          </a:fillRef>
+          <a:effectRef idx="0">
+            <a:schemeClr val="accent1"/>
+          </a:effectRef>
+          <a:fontRef idx="minor">
+            <a:schemeClr val="lt1"/>
+          </a:fontRef>
+        </p:style>
+        <p:txBody>
+          <a:bodyPr rtlCol="0" anchor="ctr"/>
+          <a:lstStyle/>
+          <a:p>
+            <a:pPr algn="ctr"/>
+            <a:endParaRPr lang="en-US"/>
+          </a:p>
+        </p:txBody>
+      </p:sp>
+      <p:pic>
+        <p:nvPicPr>
+          <p:cNvPr id="20" name="Picture 19" descr="A close up of a map&#10;&#10;Description generated with high confidence">
+            <a:extLst>
+              <a:ext uri="{FF2B5EF4-FFF2-40B4-BE49-F238E27FC236}">
+                <a16:creationId xmlns:a16="http://schemas.microsoft.com/office/drawing/2014/main" id="{8DE806AF-88C1-4C2A-9300-C702710A5C06}"/>
+              </a:ext>
+            </a:extLst>
+          </p:cNvPr>
+          <p:cNvPicPr>
+            <a:picLocks noChangeAspect="1"/>
+          </p:cNvPicPr>
+          <p:nvPr/>
+        </p:nvPicPr>
+        <p:blipFill>
+          <a:blip r:embed="rId3">
+            <a:extLst>
+              <a:ext uri="{28A0092B-C50C-407E-A947-70E740481C1C}">
+                <a14:useLocalDpi xmlns:a14="http://schemas.microsoft.com/office/drawing/2010/main" val="0"/>
+              </a:ext>
+            </a:extLst>
+          </a:blip>
+          <a:stretch>
+            <a:fillRect/>
+          </a:stretch>
+        </p:blipFill>
+        <p:spPr>
+          <a:xfrm>
+            <a:off x="6424891" y="842016"/>
+            <a:ext cx="5118182" cy="3198863"/>
+          </a:xfrm>
+          <a:prstGeom prst="rect">
+            <a:avLst/>
+          </a:prstGeom>
+        </p:spPr>
+      </p:pic>
+      <p:sp>
+        <p:nvSpPr>
           <p:cNvPr id="2" name="Title 1">
             <a:extLst>
               <a:ext uri="{FF2B5EF4-FFF2-40B4-BE49-F238E27FC236}">
@@ -17642,22 +18071,20 @@
         </p:nvSpPr>
         <p:spPr>
           <a:xfrm>
-            <a:off x="84841" y="286604"/>
-            <a:ext cx="11972041" cy="1127418"/>
+            <a:off x="1065197" y="5120640"/>
+            <a:ext cx="10058400" cy="822960"/>
           </a:xfrm>
-          <a:solidFill>
-            <a:srgbClr val="0070C0"/>
-          </a:solidFill>
         </p:spPr>
         <p:txBody>
-          <a:bodyPr/>
+          <a:bodyPr vert="horz" lIns="91440" tIns="45720" rIns="91440" bIns="45720" rtlCol="0" anchor="b">
+            <a:normAutofit/>
+          </a:bodyPr>
           <a:lstStyle/>
           <a:p>
-            <a:pPr algn="ctr"/>
             <a:r>
-              <a:rPr lang="en-US" b="1" dirty="0">
+              <a:rPr lang="en-US" sz="3600" b="1">
                 <a:solidFill>
-                  <a:schemeClr val="bg1"/>
+                  <a:srgbClr val="FFFFFF"/>
                 </a:solidFill>
               </a:rPr>
               <a:t>WORKFLOW OF QA SYSTEM</a:t>
@@ -17665,42 +18092,6 @@
           </a:p>
         </p:txBody>
       </p:sp>
-      <p:pic>
-        <p:nvPicPr>
-          <p:cNvPr id="20" name="Picture 19">
-            <a:extLst>
-              <a:ext uri="{FF2B5EF4-FFF2-40B4-BE49-F238E27FC236}">
-                <a16:creationId xmlns:a16="http://schemas.microsoft.com/office/drawing/2014/main" id="{8DE806AF-88C1-4C2A-9300-C702710A5C06}"/>
-              </a:ext>
-            </a:extLst>
-          </p:cNvPr>
-          <p:cNvPicPr>
-            <a:picLocks noChangeAspect="1"/>
-          </p:cNvPicPr>
-          <p:nvPr/>
-        </p:nvPicPr>
-        <p:blipFill>
-          <a:blip r:embed="rId2">
-            <a:extLst>
-              <a:ext uri="{28A0092B-C50C-407E-A947-70E740481C1C}">
-                <a14:useLocalDpi xmlns:a14="http://schemas.microsoft.com/office/drawing/2010/main" val="0"/>
-              </a:ext>
-            </a:extLst>
-          </a:blip>
-          <a:stretch>
-            <a:fillRect/>
-          </a:stretch>
-        </p:blipFill>
-        <p:spPr>
-          <a:xfrm>
-            <a:off x="902017" y="1737360"/>
-            <a:ext cx="10448925" cy="4418343"/>
-          </a:xfrm>
-          <a:prstGeom prst="rect">
-            <a:avLst/>
-          </a:prstGeom>
-        </p:spPr>
-      </p:pic>
     </p:spTree>
     <p:extLst>
       <p:ext uri="{BB962C8B-B14F-4D97-AF65-F5344CB8AC3E}">

--- a/Documentation/PPT/KDM_PPT_final.pptx
+++ b/Documentation/PPT/KDM_PPT_final.pptx
@@ -10748,7 +10748,7 @@
           <a:p>
             <a:fld id="{C85AC829-0E50-49AC-A5E0-48128634E715}" type="datetimeFigureOut">
               <a:rPr lang="en-US"/>
-              <a:t>7/26/2017</a:t>
+              <a:t>7/28/2017</a:t>
             </a:fld>
             <a:endParaRPr lang="en-US"/>
           </a:p>
@@ -11493,7 +11493,7 @@
           <a:p>
             <a:fld id="{16A3FBB7-652B-46B4-97C1-507551DB4301}" type="datetimeFigureOut">
               <a:rPr lang="en-US" smtClean="0"/>
-              <a:t>7/26/2017</a:t>
+              <a:t>7/28/2017</a:t>
             </a:fld>
             <a:endParaRPr lang="en-US"/>
           </a:p>
@@ -11701,7 +11701,7 @@
           <a:p>
             <a:fld id="{16A3FBB7-652B-46B4-97C1-507551DB4301}" type="datetimeFigureOut">
               <a:rPr lang="en-US" smtClean="0"/>
-              <a:t>7/26/2017</a:t>
+              <a:t>7/28/2017</a:t>
             </a:fld>
             <a:endParaRPr lang="en-US"/>
           </a:p>
@@ -11957,7 +11957,7 @@
           <a:p>
             <a:fld id="{16A3FBB7-652B-46B4-97C1-507551DB4301}" type="datetimeFigureOut">
               <a:rPr lang="en-US" smtClean="0"/>
-              <a:t>7/26/2017</a:t>
+              <a:t>7/28/2017</a:t>
             </a:fld>
             <a:endParaRPr lang="en-US"/>
           </a:p>
@@ -12127,7 +12127,7 @@
           <a:p>
             <a:fld id="{16A3FBB7-652B-46B4-97C1-507551DB4301}" type="datetimeFigureOut">
               <a:rPr lang="en-US" smtClean="0"/>
-              <a:t>7/26/2017</a:t>
+              <a:t>7/28/2017</a:t>
             </a:fld>
             <a:endParaRPr lang="en-US"/>
           </a:p>
@@ -12470,7 +12470,7 @@
           <a:p>
             <a:fld id="{16A3FBB7-652B-46B4-97C1-507551DB4301}" type="datetimeFigureOut">
               <a:rPr lang="en-US" smtClean="0"/>
-              <a:t>7/26/2017</a:t>
+              <a:t>7/28/2017</a:t>
             </a:fld>
             <a:endParaRPr lang="en-US"/>
           </a:p>
@@ -12745,7 +12745,7 @@
           <a:p>
             <a:fld id="{16A3FBB7-652B-46B4-97C1-507551DB4301}" type="datetimeFigureOut">
               <a:rPr lang="en-US" smtClean="0"/>
-              <a:t>7/26/2017</a:t>
+              <a:t>7/28/2017</a:t>
             </a:fld>
             <a:endParaRPr lang="en-US"/>
           </a:p>
@@ -13124,7 +13124,7 @@
           <a:p>
             <a:fld id="{16A3FBB7-652B-46B4-97C1-507551DB4301}" type="datetimeFigureOut">
               <a:rPr lang="en-US" smtClean="0"/>
-              <a:t>7/26/2017</a:t>
+              <a:t>7/28/2017</a:t>
             </a:fld>
             <a:endParaRPr lang="en-US"/>
           </a:p>
@@ -13242,7 +13242,7 @@
           <a:p>
             <a:fld id="{16A3FBB7-652B-46B4-97C1-507551DB4301}" type="datetimeFigureOut">
               <a:rPr lang="en-US" smtClean="0"/>
-              <a:t>7/26/2017</a:t>
+              <a:t>7/28/2017</a:t>
             </a:fld>
             <a:endParaRPr lang="en-US"/>
           </a:p>
@@ -13413,7 +13413,7 @@
           <a:p>
             <a:fld id="{16A3FBB7-652B-46B4-97C1-507551DB4301}" type="datetimeFigureOut">
               <a:rPr lang="en-US" smtClean="0"/>
-              <a:t>7/26/2017</a:t>
+              <a:t>7/28/2017</a:t>
             </a:fld>
             <a:endParaRPr lang="en-US"/>
           </a:p>
@@ -13767,7 +13767,7 @@
           <a:p>
             <a:fld id="{16A3FBB7-652B-46B4-97C1-507551DB4301}" type="datetimeFigureOut">
               <a:rPr lang="en-US" smtClean="0"/>
-              <a:t>7/26/2017</a:t>
+              <a:t>7/28/2017</a:t>
             </a:fld>
             <a:endParaRPr lang="en-US"/>
           </a:p>
@@ -14144,7 +14144,7 @@
           <a:p>
             <a:fld id="{16A3FBB7-652B-46B4-97C1-507551DB4301}" type="datetimeFigureOut">
               <a:rPr lang="en-US" smtClean="0"/>
-              <a:t>7/26/2017</a:t>
+              <a:t>7/28/2017</a:t>
             </a:fld>
             <a:endParaRPr lang="en-US"/>
           </a:p>
@@ -14431,7 +14431,7 @@
           <a:p>
             <a:fld id="{16A3FBB7-652B-46B4-97C1-507551DB4301}" type="datetimeFigureOut">
               <a:rPr lang="en-US" smtClean="0"/>
-              <a:t>7/26/2017</a:t>
+              <a:t>7/28/2017</a:t>
             </a:fld>
             <a:endParaRPr lang="en-US"/>
           </a:p>
@@ -17083,7 +17083,7 @@
       </p:grpSpPr>
       <p:sp>
         <p:nvSpPr>
-          <p:cNvPr id="8" name="Rectangle 7"/>
+          <p:cNvPr id="35" name="Rectangle 34"/>
           <p:cNvSpPr>
             <a:spLocks noGrp="1" noRot="1" noChangeAspect="1" noMove="1" noResize="1" noEditPoints="1" noAdjustHandles="1" noChangeArrowheads="1" noChangeShapeType="1" noTextEdit="1"/>
           </p:cNvSpPr>
@@ -17114,7 +17114,7 @@
       </p:sp>
       <p:sp>
         <p:nvSpPr>
-          <p:cNvPr id="10" name="Rectangle 9"/>
+          <p:cNvPr id="37" name="Rectangle 36"/>
           <p:cNvSpPr>
             <a:spLocks noGrp="1" noRot="1" noChangeAspect="1" noMove="1" noResize="1" noEditPoints="1" noAdjustHandles="1" noChangeArrowheads="1" noChangeShapeType="1" noTextEdit="1"/>
           </p:cNvSpPr>
@@ -17160,7 +17160,7 @@
       </p:sp>
       <p:sp>
         <p:nvSpPr>
-          <p:cNvPr id="12" name="Rectangle 11"/>
+          <p:cNvPr id="39" name="Rectangle 38"/>
           <p:cNvSpPr>
             <a:spLocks noGrp="1" noRot="1" noChangeAspect="1" noMove="1" noResize="1" noEditPoints="1" noAdjustHandles="1" noChangeArrowheads="1" noChangeShapeType="1" noTextEdit="1"/>
           </p:cNvSpPr>
@@ -17206,7 +17206,7 @@
       </p:sp>
       <p:cxnSp>
         <p:nvCxnSpPr>
-          <p:cNvPr id="14" name="Straight Connector 13"/>
+          <p:cNvPr id="41" name="Straight Connector 40"/>
           <p:cNvCxnSpPr>
             <a:cxnSpLocks noGrp="1" noRot="1" noChangeAspect="1" noMove="1" noResize="1" noEditPoints="1" noAdjustHandles="1" noChangeArrowheads="1" noChangeShapeType="1"/>
           </p:cNvCxnSpPr>
@@ -17252,7 +17252,7 @@
       </p:cxnSp>
       <p:sp useBgFill="1">
         <p:nvSpPr>
-          <p:cNvPr id="16" name="Rectangle 15"/>
+          <p:cNvPr id="43" name="Rectangle 42"/>
           <p:cNvSpPr>
             <a:spLocks noGrp="1" noRot="1" noChangeAspect="1" noMove="1" noResize="1" noEditPoints="1" noAdjustHandles="1" noChangeArrowheads="1" noChangeShapeType="1" noTextEdit="1"/>
           </p:cNvSpPr>
@@ -17267,7 +17267,7 @@
         <p:spPr>
           <a:xfrm>
             <a:off x="0" y="0"/>
-            <a:ext cx="12192001" cy="6334316"/>
+            <a:ext cx="12192001" cy="4904190"/>
           </a:xfrm>
           <a:prstGeom prst="rect">
             <a:avLst/>
@@ -17303,7 +17303,7 @@
       </p:sp>
       <p:sp>
         <p:nvSpPr>
-          <p:cNvPr id="18" name="Rectangle 17"/>
+          <p:cNvPr id="45" name="Rectangle 44"/>
           <p:cNvSpPr>
             <a:spLocks noGrp="1" noRot="1" noChangeAspect="1" noMove="1" noResize="1" noEditPoints="1" noAdjustHandles="1" noChangeArrowheads="1" noChangeShapeType="1" noTextEdit="1"/>
           </p:cNvSpPr>
@@ -17315,10 +17315,10 @@
             </p:extLst>
           </p:nvPr>
         </p:nvSpPr>
-        <p:spPr>
+        <p:spPr bwMode="white">
           <a:xfrm>
-            <a:off x="1" y="6400800"/>
-            <a:ext cx="12192000" cy="457200"/>
+            <a:off x="1507" y="4953000"/>
+            <a:ext cx="12188952" cy="1905000"/>
           </a:xfrm>
           <a:prstGeom prst="rect">
             <a:avLst/>
@@ -17349,7 +17349,7 @@
       </p:sp>
       <p:sp>
         <p:nvSpPr>
-          <p:cNvPr id="29" name="Rectangle 19"/>
+          <p:cNvPr id="66" name="Rectangle 46"/>
           <p:cNvSpPr>
             <a:spLocks noGrp="1" noRot="1" noChangeAspect="1" noMove="1" noResize="1" noEditPoints="1" noAdjustHandles="1" noChangeArrowheads="1" noChangeShapeType="1" noTextEdit="1"/>
           </p:cNvSpPr>
@@ -17363,8 +17363,8 @@
         </p:nvSpPr>
         <p:spPr>
           <a:xfrm>
-            <a:off x="15" y="6334316"/>
-            <a:ext cx="12191985" cy="66484"/>
+            <a:off x="1507" y="4906176"/>
+            <a:ext cx="12188952" cy="64008"/>
           </a:xfrm>
           <a:prstGeom prst="rect">
             <a:avLst/>
@@ -17393,79 +17393,38 @@
           </a:fontRef>
         </p:style>
       </p:sp>
-      <p:cxnSp>
-        <p:nvCxnSpPr>
-          <p:cNvPr id="30" name="Straight Connector 21"/>
-          <p:cNvCxnSpPr>
-            <a:cxnSpLocks noGrp="1" noRot="1" noChangeAspect="1" noMove="1" noResize="1" noEditPoints="1" noAdjustHandles="1" noChangeArrowheads="1" noChangeShapeType="1"/>
-          </p:cNvCxnSpPr>
-          <p:nvPr>
-            <p:extLst>
-              <p:ext uri="{386F3935-93C4-4BCD-93E2-E3B085C9AB24}">
-                <p16:designElem xmlns:p16="http://schemas.microsoft.com/office/powerpoint/2015/main" val="1"/>
-              </p:ext>
-            </p:extLst>
-          </p:nvPr>
-        </p:nvCxnSpPr>
-        <p:spPr>
-          <a:xfrm>
-            <a:off x="721086" y="5618770"/>
-            <a:ext cx="10515600" cy="0"/>
-          </a:xfrm>
-          <a:prstGeom prst="line">
-            <a:avLst/>
-          </a:prstGeom>
-          <a:ln w="6350">
-            <a:solidFill>
-              <a:schemeClr val="tx2">
-                <a:alpha val="90000"/>
-              </a:schemeClr>
-            </a:solidFill>
-          </a:ln>
-        </p:spPr>
-        <p:style>
-          <a:lnRef idx="1">
-            <a:schemeClr val="accent1"/>
-          </a:lnRef>
-          <a:fillRef idx="0">
-            <a:schemeClr val="accent1"/>
-          </a:fillRef>
-          <a:effectRef idx="0">
-            <a:schemeClr val="accent1"/>
-          </a:effectRef>
-          <a:fontRef idx="minor">
-            <a:schemeClr val="tx1"/>
-          </a:fontRef>
-        </p:style>
-      </p:cxnSp>
       <p:pic>
         <p:nvPicPr>
-          <p:cNvPr id="3" name="Picture 2" descr="A screenshot of a cell phone&#10;&#10;Description generated with very high confidence">
+          <p:cNvPr id="13" name="Picture 12" descr="C:\Users\syb7c\Downloads\WhatsApp Image 2017-07-27 at 10.55.34 PM.jpeg">
             <a:extLst>
               <a:ext uri="{FF2B5EF4-FFF2-40B4-BE49-F238E27FC236}">
-                <a16:creationId xmlns:a16="http://schemas.microsoft.com/office/drawing/2014/main" id="{5C259781-7818-4829-95CF-E3C52E96C7ED}"/>
+                <a16:creationId xmlns:a16="http://schemas.microsoft.com/office/drawing/2014/main" id="{D85CC44F-20F8-4AF1-A4EE-A3EB0236004F}"/>
               </a:ext>
             </a:extLst>
           </p:cNvPr>
-          <p:cNvPicPr>
-            <a:picLocks noChangeAspect="1"/>
-          </p:cNvPicPr>
+          <p:cNvPicPr/>
           <p:nvPr/>
         </p:nvPicPr>
-        <p:blipFill>
-          <a:blip r:embed="rId2"/>
-          <a:stretch>
-            <a:fillRect/>
-          </a:stretch>
+        <p:blipFill rotWithShape="1">
+          <a:blip r:embed="rId2" cstate="print">
+            <a:extLst>
+              <a:ext uri="{28A0092B-C50C-407E-A947-70E740481C1C}">
+                <a14:useLocalDpi xmlns:a14="http://schemas.microsoft.com/office/drawing/2010/main" val="0"/>
+              </a:ext>
+            </a:extLst>
+          </a:blip>
+          <a:srcRect/>
+          <a:stretch/>
         </p:blipFill>
-        <p:spPr>
+        <p:spPr bwMode="auto">
           <a:xfrm>
-            <a:off x="635456" y="640080"/>
-            <a:ext cx="10447721" cy="3602736"/>
+            <a:off x="589935" y="0"/>
+            <a:ext cx="10854813" cy="4904190"/>
           </a:xfrm>
           <a:prstGeom prst="rect">
             <a:avLst/>
           </a:prstGeom>
+          <a:noFill/>
         </p:spPr>
       </p:pic>
       <p:sp>
@@ -17480,8 +17439,8 @@
         </p:nvSpPr>
         <p:spPr>
           <a:xfrm>
-            <a:off x="633999" y="4550229"/>
-            <a:ext cx="10909073" cy="1057655"/>
+            <a:off x="1065197" y="5120640"/>
+            <a:ext cx="10058400" cy="822960"/>
           </a:xfrm>
         </p:spPr>
         <p:txBody>
@@ -17491,12 +17450,9 @@
           <a:lstStyle/>
           <a:p>
             <a:r>
-              <a:rPr lang="en-US" sz="6000" b="1">
+              <a:rPr lang="en-US" sz="3600" b="1">
                 <a:solidFill>
-                  <a:schemeClr val="tx1">
-                    <a:lumMod val="85000"/>
-                    <a:lumOff val="15000"/>
-                  </a:schemeClr>
+                  <a:srgbClr val="FFFFFF"/>
                 </a:solidFill>
               </a:rPr>
               <a:t>ARCHITECTURE DIAGRAM</a:t>
